--- a/healthcare.pptx
+++ b/healthcare.pptx
@@ -361,7 +361,7 @@
             <a:fld id="{1D8BD707-D9CF-40AE-B4C6-C98DA3205C09}" type="datetimeFigureOut">
               <a:rPr lang="en-US" smtClean="0"/>
               <a:pPr/>
-              <a:t>4/10/2023</a:t>
+              <a:t>5/8/2023</a:t>
             </a:fld>
             <a:endParaRPr lang="en-US"/>
           </a:p>
@@ -571,7 +571,7 @@
             <a:fld id="{1D8BD707-D9CF-40AE-B4C6-C98DA3205C09}" type="datetimeFigureOut">
               <a:rPr lang="en-US" smtClean="0"/>
               <a:pPr/>
-              <a:t>4/10/2023</a:t>
+              <a:t>5/8/2023</a:t>
             </a:fld>
             <a:endParaRPr lang="en-US"/>
           </a:p>
@@ -829,7 +829,7 @@
             <a:fld id="{1D8BD707-D9CF-40AE-B4C6-C98DA3205C09}" type="datetimeFigureOut">
               <a:rPr lang="en-US" smtClean="0"/>
               <a:pPr/>
-              <a:t>4/10/2023</a:t>
+              <a:t>5/8/2023</a:t>
             </a:fld>
             <a:endParaRPr lang="en-US"/>
           </a:p>
@@ -1001,7 +1001,7 @@
             <a:fld id="{1D8BD707-D9CF-40AE-B4C6-C98DA3205C09}" type="datetimeFigureOut">
               <a:rPr lang="en-US" smtClean="0"/>
               <a:pPr/>
-              <a:t>4/10/2023</a:t>
+              <a:t>5/8/2023</a:t>
             </a:fld>
             <a:endParaRPr lang="en-US"/>
           </a:p>
@@ -1346,7 +1346,7 @@
             <a:fld id="{1D8BD707-D9CF-40AE-B4C6-C98DA3205C09}" type="datetimeFigureOut">
               <a:rPr lang="en-US" smtClean="0"/>
               <a:pPr/>
-              <a:t>4/10/2023</a:t>
+              <a:t>5/8/2023</a:t>
             </a:fld>
             <a:endParaRPr lang="en-US"/>
           </a:p>
@@ -1623,7 +1623,7 @@
             <a:fld id="{1D8BD707-D9CF-40AE-B4C6-C98DA3205C09}" type="datetimeFigureOut">
               <a:rPr lang="en-US" smtClean="0"/>
               <a:pPr/>
-              <a:t>4/10/2023</a:t>
+              <a:t>5/8/2023</a:t>
             </a:fld>
             <a:endParaRPr lang="en-US"/>
           </a:p>
@@ -2004,7 +2004,7 @@
             <a:fld id="{1D8BD707-D9CF-40AE-B4C6-C98DA3205C09}" type="datetimeFigureOut">
               <a:rPr lang="en-US" smtClean="0"/>
               <a:pPr/>
-              <a:t>4/10/2023</a:t>
+              <a:t>5/8/2023</a:t>
             </a:fld>
             <a:endParaRPr lang="en-US"/>
           </a:p>
@@ -2124,7 +2124,7 @@
             <a:fld id="{1D8BD707-D9CF-40AE-B4C6-C98DA3205C09}" type="datetimeFigureOut">
               <a:rPr lang="en-US" smtClean="0"/>
               <a:pPr/>
-              <a:t>4/10/2023</a:t>
+              <a:t>5/8/2023</a:t>
             </a:fld>
             <a:endParaRPr lang="en-US"/>
           </a:p>
@@ -2297,7 +2297,7 @@
             <a:fld id="{1D8BD707-D9CF-40AE-B4C6-C98DA3205C09}" type="datetimeFigureOut">
               <a:rPr lang="en-US" smtClean="0"/>
               <a:pPr/>
-              <a:t>4/10/2023</a:t>
+              <a:t>5/8/2023</a:t>
             </a:fld>
             <a:endParaRPr lang="en-US"/>
           </a:p>
@@ -2653,7 +2653,7 @@
             <a:fld id="{1D8BD707-D9CF-40AE-B4C6-C98DA3205C09}" type="datetimeFigureOut">
               <a:rPr lang="en-US" smtClean="0"/>
               <a:pPr/>
-              <a:t>4/10/2023</a:t>
+              <a:t>5/8/2023</a:t>
             </a:fld>
             <a:endParaRPr lang="en-US"/>
           </a:p>
@@ -3037,7 +3037,7 @@
             <a:fld id="{1D8BD707-D9CF-40AE-B4C6-C98DA3205C09}" type="datetimeFigureOut">
               <a:rPr lang="en-US" smtClean="0"/>
               <a:pPr/>
-              <a:t>4/10/2023</a:t>
+              <a:t>5/8/2023</a:t>
             </a:fld>
             <a:endParaRPr lang="en-US"/>
           </a:p>
@@ -3326,7 +3326,7 @@
             <a:fld id="{1D8BD707-D9CF-40AE-B4C6-C98DA3205C09}" type="datetimeFigureOut">
               <a:rPr lang="en-US" smtClean="0"/>
               <a:pPr/>
-              <a:t>4/10/2023</a:t>
+              <a:t>5/8/2023</a:t>
             </a:fld>
             <a:endParaRPr lang="en-US"/>
           </a:p>
